--- a/教学课件/17.第十七课  射线检测和导航系统.pptx
+++ b/教学课件/17.第十七课  射线检测和导航系统.pptx
@@ -2992,7 +2992,7 @@
           <a:p>
             <a:r>
               <a:rPr lang="en-US" altLang="zh-CN"/>
-              <a:t>ray, Navigation</a:t>
+              <a:t>Ray, Navigation</a:t>
             </a:r>
             <a:endParaRPr lang="en-US" altLang="zh-CN"/>
           </a:p>
@@ -3398,7 +3398,7 @@
             </a:r>
             <a:r>
               <a:rPr lang="zh-CN" altLang="en-US" sz="2400"/>
-              <a:t>台阶高度，高度是相对于地面的，而不是上一个高度</a:t>
+              <a:t>台阶高度，高度是相对于上一个台阶</a:t>
             </a:r>
             <a:r>
               <a:rPr lang="zh-CN" altLang="en-US" sz="2400"/>
@@ -3565,7 +3565,31 @@
                   <a:srgbClr val="FF0000"/>
                 </a:solidFill>
               </a:rPr>
-              <a:t>当两个平台等高时， 角色可以跳过去并调回来；如果不等高， 则只能从高处跳到低处，而无法跳回来。</a:t>
+              <a:t>当两个平台等高时， 角色可以跳过去并调回来；如果不等高， 则只能从高处跳到低处，而无法跳回来</a:t>
+            </a:r>
+            <a:r>
+              <a:rPr lang="en-US" altLang="zh-CN">
+                <a:solidFill>
+                  <a:srgbClr val="FF0000"/>
+                </a:solidFill>
+              </a:rPr>
+              <a:t>,</a:t>
+            </a:r>
+            <a:r>
+              <a:rPr lang="zh-CN" altLang="en-US">
+                <a:solidFill>
+                  <a:srgbClr val="FF0000"/>
+                </a:solidFill>
+              </a:rPr>
+              <a:t>且高低平台必须有部分重叠</a:t>
+            </a:r>
+            <a:r>
+              <a:rPr lang="zh-CN" altLang="en-US">
+                <a:solidFill>
+                  <a:srgbClr val="FF0000"/>
+                </a:solidFill>
+              </a:rPr>
+              <a:t>。</a:t>
             </a:r>
             <a:endParaRPr lang="zh-CN" altLang="en-US"/>
           </a:p>
@@ -5186,7 +5210,23 @@
             </a:r>
             <a:r>
               <a:rPr lang="zh-CN" altLang="en-US" sz="2400"/>
-              <a:t> 选中时会自动通过OffMeshLink的位置。如果你想要在通过这些位置时播放动画或进行特殊操作，不要勾选此选项。播放完后，勾上。</a:t>
+              <a:t> 选中时会自动通过OffMeshLink</a:t>
+            </a:r>
+            <a:r>
+              <a:rPr lang="en-US" altLang="zh-CN" sz="2400"/>
+              <a:t>(</a:t>
+            </a:r>
+            <a:r>
+              <a:rPr lang="zh-CN" altLang="en-US" sz="2400"/>
+              <a:t>中断</a:t>
+            </a:r>
+            <a:r>
+              <a:rPr lang="en-US" altLang="zh-CN" sz="2400"/>
+              <a:t>)</a:t>
+            </a:r>
+            <a:r>
+              <a:rPr lang="zh-CN" altLang="en-US" sz="2400"/>
+              <a:t>的位置。如果你想要在通过这些位置时播放动画或进行特殊操作，不要勾选此选项。播放完后，勾上。</a:t>
             </a:r>
             <a:endParaRPr lang="zh-CN" altLang="en-US" sz="2400"/>
           </a:p>
@@ -5996,7 +6036,7 @@
         </p:blipFill>
         <p:spPr>
           <a:xfrm>
-            <a:off x="2167255" y="4687570"/>
+            <a:off x="2167255" y="4701540"/>
             <a:ext cx="7858125" cy="1457325"/>
           </a:xfrm>
           <a:prstGeom prst="rect">

--- a/教学课件/17.第十七课  射线检测和导航系统.pptx
+++ b/教学课件/17.第十七课  射线检测和导航系统.pptx
@@ -3125,7 +3125,15 @@
             </a:pPr>
             <a:r>
               <a:rPr lang="en-US" altLang="zh-CN" sz="2400"/>
-              <a:t>5.对于参与寻路的角色，需要给角色添加NavMeshAgent组件，通过代码动态设置Agent的目的地位置，设置后角色会自动朝目的地移动</a:t>
+              <a:t>5.对于参与寻路的角色，需要</a:t>
+            </a:r>
+            <a:r>
+              <a:rPr lang="en-US" altLang="zh-CN" sz="2400" b="1"/>
+              <a:t>给角色添加NavMeshAgent组件</a:t>
+            </a:r>
+            <a:r>
+              <a:rPr lang="en-US" altLang="zh-CN" sz="2400"/>
+              <a:t>，通过代码动态设置Agent的目的地位置，设置后角色会自动朝目的地移动</a:t>
             </a:r>
             <a:endParaRPr lang="en-US" altLang="zh-CN" sz="2400"/>
           </a:p>
@@ -3259,7 +3267,7 @@
         </p:spPr>
         <p:txBody>
           <a:bodyPr>
-            <a:normAutofit fontScale="90000"/>
+            <a:normAutofit/>
           </a:bodyPr>
           <a:p>
             <a:pPr marL="0" indent="0">
@@ -3306,7 +3314,7 @@
             </a:r>
             <a:r>
               <a:rPr lang="zh-CN" altLang="en-US" sz="2400"/>
-              <a:t>。如果有多个Agent类型，按最小的半径设置</a:t>
+              <a:t>。</a:t>
             </a:r>
             <a:endParaRPr lang="zh-CN" altLang="en-US" sz="2400"/>
           </a:p>
@@ -3334,7 +3342,7 @@
             </a:r>
             <a:r>
               <a:rPr lang="zh-CN" altLang="en-US" sz="2400"/>
-              <a:t>Agent高度，会影响角色钻洞等情况。如果有多个Agent类型，按最低高度设置</a:t>
+              <a:t>Agent高度，会影响角色钻洞等情况。</a:t>
             </a:r>
             <a:endParaRPr lang="zh-CN" altLang="en-US" sz="2400"/>
           </a:p>
@@ -3358,7 +3366,7 @@
             </a:r>
             <a:r>
               <a:rPr lang="zh-CN" altLang="en-US" sz="2400"/>
-              <a:t> 最大坡度，角色可以爬上的最大坡。如果有多个Agent类型，按最大的坡度设置</a:t>
+              <a:t> 最大坡度，角色可以爬上的最大坡。</a:t>
             </a:r>
             <a:endParaRPr lang="zh-CN" altLang="en-US" sz="2400"/>
           </a:p>
@@ -3419,6 +3427,14 @@
                 </a:solidFill>
               </a:rPr>
               <a:t>Drop Height </a:t>
+            </a:r>
+            <a:r>
+              <a:rPr lang="en-US" altLang="zh-CN" sz="2400">
+                <a:solidFill>
+                  <a:srgbClr val="FF0000"/>
+                </a:solidFill>
+              </a:rPr>
+              <a:t>: </a:t>
             </a:r>
             <a:r>
               <a:rPr lang="zh-CN" altLang="en-US" sz="2400"/>
@@ -3565,7 +3581,15 @@
                   <a:srgbClr val="FF0000"/>
                 </a:solidFill>
               </a:rPr>
-              <a:t>当两个平台等高时， 角色可以跳过去并调回来；如果不等高， 则只能从高处跳到低处，而无法跳回来</a:t>
+              <a:t>当两个平台等高时， 角色可以跳过去并跳</a:t>
+            </a:r>
+            <a:r>
+              <a:rPr lang="zh-CN" altLang="en-US">
+                <a:solidFill>
+                  <a:srgbClr val="FF0000"/>
+                </a:solidFill>
+              </a:rPr>
+              <a:t>回来；如果不等高， 则只能从高处跳到低处，而无法跳回来</a:t>
             </a:r>
             <a:r>
               <a:rPr lang="en-US" altLang="zh-CN">
@@ -3573,7 +3597,7 @@
                   <a:srgbClr val="FF0000"/>
                 </a:solidFill>
               </a:rPr>
-              <a:t>,</a:t>
+              <a:t>,	</a:t>
             </a:r>
             <a:r>
               <a:rPr lang="zh-CN" altLang="en-US">
@@ -4327,7 +4351,7 @@
         </p:blipFill>
         <p:spPr>
           <a:xfrm>
-            <a:off x="838200" y="2858135"/>
+            <a:off x="838200" y="3246755"/>
             <a:ext cx="7743825" cy="2657475"/>
           </a:xfrm>
           <a:prstGeom prst="rect">
@@ -6964,32 +6988,6 @@
         <p:nvPr/>
       </p:nvGrpSpPr>
       <p:grpSpPr/>
-      <p:pic>
-        <p:nvPicPr>
-          <p:cNvPr id="4" name="内容占位符 3"/>
-          <p:cNvPicPr>
-            <a:picLocks noChangeAspect="1"/>
-          </p:cNvPicPr>
-          <p:nvPr>
-            <p:ph idx="1"/>
-          </p:nvPr>
-        </p:nvPicPr>
-        <p:blipFill>
-          <a:blip r:embed="rId1"/>
-          <a:stretch>
-            <a:fillRect/>
-          </a:stretch>
-        </p:blipFill>
-        <p:spPr>
-          <a:xfrm>
-            <a:off x="488950" y="144780"/>
-            <a:ext cx="10843895" cy="5003800"/>
-          </a:xfrm>
-          <a:prstGeom prst="rect">
-            <a:avLst/>
-          </a:prstGeom>
-        </p:spPr>
-      </p:pic>
       <p:sp>
         <p:nvSpPr>
           <p:cNvPr id="5" name="文本框 4"/>
@@ -6998,8 +6996,8 @@
         </p:nvSpPr>
         <p:spPr>
           <a:xfrm>
-            <a:off x="488950" y="5565140"/>
-            <a:ext cx="10643870" cy="645160"/>
+            <a:off x="359410" y="1247140"/>
+            <a:ext cx="10643870" cy="1814830"/>
           </a:xfrm>
           <a:prstGeom prst="rect">
             <a:avLst/>
@@ -7012,15 +7010,55 @@
           </a:bodyPr>
           <a:p>
             <a:r>
-              <a:rPr lang="zh-CN" altLang="en-US"/>
+              <a:rPr lang="zh-CN" altLang="en-US" sz="2800"/>
               <a:t>拓展</a:t>
             </a:r>
             <a:r>
-              <a:rPr lang="en-US" altLang="zh-CN"/>
-              <a:t>: </a:t>
-            </a:r>
-            <a:r>
-              <a:rPr lang="en-US" altLang="zh-CN">
+              <a:rPr lang="en-US" altLang="zh-CN" sz="2800"/>
+              <a:t>:</a:t>
+            </a:r>
+            <a:r>
+              <a:rPr lang="en-US" altLang="zh-CN" sz="2800">
+                <a:sym typeface="+mn-ea"/>
+              </a:rPr>
+              <a:t>// </a:t>
+            </a:r>
+            <a:r>
+              <a:rPr lang="zh-CN" altLang="en-US" sz="2800">
+                <a:sym typeface="+mn-ea"/>
+              </a:rPr>
+              <a:t>获取指定点</a:t>
+            </a:r>
+            <a:r>
+              <a:rPr lang="en-US" altLang="zh-CN" sz="2800">
+                <a:sym typeface="+mn-ea"/>
+              </a:rPr>
+              <a:t>, </a:t>
+            </a:r>
+            <a:r>
+              <a:rPr lang="zh-CN" altLang="en-US" sz="2800">
+                <a:sym typeface="+mn-ea"/>
+              </a:rPr>
+              <a:t>指定半径内所有对象的</a:t>
+            </a:r>
+            <a:r>
+              <a:rPr lang="en-US" altLang="zh-CN" sz="2800">
+                <a:sym typeface="+mn-ea"/>
+              </a:rPr>
+              <a:t>Collider</a:t>
+            </a:r>
+            <a:endParaRPr lang="en-US" altLang="zh-CN" sz="2800"/>
+          </a:p>
+          <a:p>
+            <a:endParaRPr lang="en-US" altLang="zh-CN" sz="2800"/>
+          </a:p>
+          <a:p>
+            <a:r>
+              <a:rPr lang="en-US" altLang="zh-CN" sz="2800"/>
+              <a:t> </a:t>
+            </a:r>
+            <a:r>
+              <a:rPr lang="en-US" altLang="zh-CN" sz="2800">
                 <a:solidFill>
                   <a:srgbClr val="FF0000"/>
                 </a:solidFill>
@@ -7028,18 +7066,18 @@
               <a:t>Collider[] array =</a:t>
             </a:r>
             <a:r>
-              <a:rPr lang="en-US" altLang="zh-CN"/>
+              <a:rPr lang="en-US" altLang="zh-CN" sz="2800"/>
               <a:t> </a:t>
             </a:r>
             <a:r>
-              <a:rPr lang="en-US" altLang="zh-CN">
+              <a:rPr lang="en-US" altLang="zh-CN" sz="2800">
                 <a:solidFill>
                   <a:srgbClr val="FF0000"/>
                 </a:solidFill>
               </a:rPr>
               <a:t>Physics.OverlapSphere(Vector3 position, float radius)</a:t>
             </a:r>
-            <a:endParaRPr lang="en-US" altLang="zh-CN">
+            <a:endParaRPr lang="en-US" altLang="zh-CN" sz="2800">
               <a:solidFill>
                 <a:srgbClr val="FF0000"/>
               </a:solidFill>
@@ -7047,38 +7085,14 @@
           </a:p>
           <a:p>
             <a:r>
-              <a:rPr lang="en-US" altLang="zh-CN">
+              <a:rPr lang="en-US" altLang="zh-CN" sz="2800">
                 <a:solidFill>
                   <a:srgbClr val="FF0000"/>
                 </a:solidFill>
               </a:rPr>
               <a:t>	</a:t>
             </a:r>
-            <a:r>
-              <a:rPr lang="en-US" altLang="zh-CN"/>
-              <a:t>// </a:t>
-            </a:r>
-            <a:r>
-              <a:rPr lang="zh-CN" altLang="en-US"/>
-              <a:t>获取</a:t>
-            </a:r>
-            <a:r>
-              <a:rPr lang="zh-CN" altLang="en-US"/>
-              <a:t>指定点</a:t>
-            </a:r>
-            <a:r>
-              <a:rPr lang="en-US" altLang="zh-CN"/>
-              <a:t>, </a:t>
-            </a:r>
-            <a:r>
-              <a:rPr lang="zh-CN" altLang="en-US"/>
-              <a:t>指定半径内所有对象的</a:t>
-            </a:r>
-            <a:r>
-              <a:rPr lang="en-US" altLang="zh-CN"/>
-              <a:t>Collider</a:t>
-            </a:r>
-            <a:endParaRPr lang="en-US" altLang="zh-CN"/>
+            <a:endParaRPr lang="en-US" altLang="zh-CN" sz="2800"/>
           </a:p>
         </p:txBody>
       </p:sp>
